--- a/reports/Presentation.pptx
+++ b/reports/Presentation.pptx
@@ -19,7 +19,9 @@
     <p:sldId id="270" r:id="rId13"/>
     <p:sldId id="271" r:id="rId14"/>
     <p:sldId id="272" r:id="rId15"/>
-    <p:sldId id="273" r:id="rId16"/>
+    <p:sldId id="274" r:id="rId16"/>
+    <p:sldId id="275" r:id="rId17"/>
+    <p:sldId id="273" r:id="rId18"/>
   </p:sldIdLst>
   <p:sldSz cx="12192000" cy="6858000"/>
   <p:notesSz cx="6858000" cy="9144000"/>
@@ -7427,6 +7429,377 @@
       </p:grpSpPr>
       <p:sp>
         <p:nvSpPr>
+          <p:cNvPr id="7" name="Oval 6">
+            <a:extLst>
+              <a:ext uri="{FF2B5EF4-FFF2-40B4-BE49-F238E27FC236}">
+                <a16:creationId xmlns:a16="http://schemas.microsoft.com/office/drawing/2014/main" id="{B7C94D55-1A95-7040-A7BA-4703EEFB70F3}"/>
+              </a:ext>
+            </a:extLst>
+          </p:cNvPr>
+          <p:cNvSpPr/>
+          <p:nvPr/>
+        </p:nvSpPr>
+        <p:spPr>
+          <a:xfrm>
+            <a:off x="781506" y="717630"/>
+            <a:ext cx="509286" cy="439838"/>
+          </a:xfrm>
+          <a:prstGeom prst="ellipse">
+            <a:avLst/>
+          </a:prstGeom>
+        </p:spPr>
+        <p:style>
+          <a:lnRef idx="2">
+            <a:schemeClr val="accent1">
+              <a:shade val="50000"/>
+            </a:schemeClr>
+          </a:lnRef>
+          <a:fillRef idx="1">
+            <a:schemeClr val="accent1"/>
+          </a:fillRef>
+          <a:effectRef idx="0">
+            <a:schemeClr val="accent1"/>
+          </a:effectRef>
+          <a:fontRef idx="minor">
+            <a:schemeClr val="lt1"/>
+          </a:fontRef>
+        </p:style>
+        <p:txBody>
+          <a:bodyPr rtlCol="0" anchor="ctr"/>
+          <a:lstStyle/>
+          <a:p>
+            <a:pPr algn="ctr"/>
+            <a:endParaRPr lang="en-US" dirty="0"/>
+          </a:p>
+        </p:txBody>
+      </p:sp>
+      <p:sp>
+        <p:nvSpPr>
+          <p:cNvPr id="2" name="Title 1">
+            <a:extLst>
+              <a:ext uri="{FF2B5EF4-FFF2-40B4-BE49-F238E27FC236}">
+                <a16:creationId xmlns:a16="http://schemas.microsoft.com/office/drawing/2014/main" id="{CD18F97A-1D63-C84C-B12E-DD2937BC7AE5}"/>
+              </a:ext>
+            </a:extLst>
+          </p:cNvPr>
+          <p:cNvSpPr>
+            <a:spLocks noGrp="1"/>
+          </p:cNvSpPr>
+          <p:nvPr>
+            <p:ph type="title"/>
+          </p:nvPr>
+        </p:nvSpPr>
+        <p:spPr/>
+        <p:txBody>
+          <a:bodyPr vert="horz" lIns="91440" tIns="45720" rIns="91440" bIns="45720" rtlCol="0" anchor="t">
+            <a:normAutofit/>
+          </a:bodyPr>
+          <a:lstStyle/>
+          <a:p>
+            <a:r>
+              <a:rPr lang="en-US" dirty="0">
+                <a:solidFill>
+                  <a:schemeClr val="bg1"/>
+                </a:solidFill>
+              </a:rPr>
+              <a:t> 8  Multi</a:t>
+            </a:r>
+            <a:endParaRPr lang="en-US" dirty="0"/>
+          </a:p>
+        </p:txBody>
+      </p:sp>
+      <p:pic>
+        <p:nvPicPr>
+          <p:cNvPr id="9" name="Picture 8" descr="Chart&#10;&#10;Description automatically generated">
+            <a:extLst>
+              <a:ext uri="{FF2B5EF4-FFF2-40B4-BE49-F238E27FC236}">
+                <a16:creationId xmlns:a16="http://schemas.microsoft.com/office/drawing/2014/main" id="{98617A9B-42F5-BD47-907D-EF1C16BA7D92}"/>
+              </a:ext>
+            </a:extLst>
+          </p:cNvPr>
+          <p:cNvPicPr/>
+          <p:nvPr/>
+        </p:nvPicPr>
+        <p:blipFill>
+          <a:blip r:embed="rId2">
+            <a:extLst>
+              <a:ext uri="{28A0092B-C50C-407E-A947-70E740481C1C}">
+                <a14:useLocalDpi xmlns:a14="http://schemas.microsoft.com/office/drawing/2010/main" val="0"/>
+              </a:ext>
+            </a:extLst>
+          </a:blip>
+          <a:srcRect/>
+          <a:stretch>
+            <a:fillRect/>
+          </a:stretch>
+        </p:blipFill>
+        <p:spPr bwMode="auto">
+          <a:xfrm>
+            <a:off x="453095" y="1483633"/>
+            <a:ext cx="5943600" cy="4269105"/>
+          </a:xfrm>
+          <a:prstGeom prst="rect">
+            <a:avLst/>
+          </a:prstGeom>
+          <a:noFill/>
+          <a:ln>
+            <a:noFill/>
+          </a:ln>
+        </p:spPr>
+      </p:pic>
+      <p:sp>
+        <p:nvSpPr>
+          <p:cNvPr id="12" name="Title 1">
+            <a:extLst>
+              <a:ext uri="{FF2B5EF4-FFF2-40B4-BE49-F238E27FC236}">
+                <a16:creationId xmlns:a16="http://schemas.microsoft.com/office/drawing/2014/main" id="{46112F3A-D529-D245-9ADB-4C2FA61D6383}"/>
+              </a:ext>
+            </a:extLst>
+          </p:cNvPr>
+          <p:cNvSpPr txBox="1">
+            <a:spLocks/>
+          </p:cNvSpPr>
+          <p:nvPr/>
+        </p:nvSpPr>
+        <p:spPr>
+          <a:xfrm>
+            <a:off x="603762" y="588579"/>
+            <a:ext cx="8596668" cy="1320800"/>
+          </a:xfrm>
+          <a:prstGeom prst="rect">
+            <a:avLst/>
+          </a:prstGeom>
+        </p:spPr>
+        <p:txBody>
+          <a:bodyPr vert="horz" lIns="91440" tIns="45720" rIns="91440" bIns="45720" rtlCol="0" anchor="t">
+            <a:normAutofit/>
+          </a:bodyPr>
+          <a:lstStyle>
+            <a:lvl1pPr algn="l" defTabSz="457200" rtl="0" eaLnBrk="1" latinLnBrk="0" hangingPunct="1">
+              <a:spcBef>
+                <a:spcPct val="0"/>
+              </a:spcBef>
+              <a:buNone/>
+              <a:defRPr sz="3600" kern="1200">
+                <a:solidFill>
+                  <a:schemeClr val="accent1"/>
+                </a:solidFill>
+                <a:latin typeface="+mj-lt"/>
+                <a:ea typeface="+mj-ea"/>
+                <a:cs typeface="+mj-cs"/>
+              </a:defRPr>
+            </a:lvl1pPr>
+            <a:lvl2pPr eaLnBrk="1" hangingPunct="1">
+              <a:defRPr>
+                <a:solidFill>
+                  <a:schemeClr val="tx2"/>
+                </a:solidFill>
+              </a:defRPr>
+            </a:lvl2pPr>
+            <a:lvl3pPr eaLnBrk="1" hangingPunct="1">
+              <a:defRPr>
+                <a:solidFill>
+                  <a:schemeClr val="tx2"/>
+                </a:solidFill>
+              </a:defRPr>
+            </a:lvl3pPr>
+            <a:lvl4pPr eaLnBrk="1" hangingPunct="1">
+              <a:defRPr>
+                <a:solidFill>
+                  <a:schemeClr val="tx2"/>
+                </a:solidFill>
+              </a:defRPr>
+            </a:lvl4pPr>
+            <a:lvl5pPr eaLnBrk="1" hangingPunct="1">
+              <a:defRPr>
+                <a:solidFill>
+                  <a:schemeClr val="tx2"/>
+                </a:solidFill>
+              </a:defRPr>
+            </a:lvl5pPr>
+            <a:lvl6pPr eaLnBrk="1" hangingPunct="1">
+              <a:defRPr>
+                <a:solidFill>
+                  <a:schemeClr val="tx2"/>
+                </a:solidFill>
+              </a:defRPr>
+            </a:lvl6pPr>
+            <a:lvl7pPr eaLnBrk="1" hangingPunct="1">
+              <a:defRPr>
+                <a:solidFill>
+                  <a:schemeClr val="tx2"/>
+                </a:solidFill>
+              </a:defRPr>
+            </a:lvl7pPr>
+            <a:lvl8pPr eaLnBrk="1" hangingPunct="1">
+              <a:defRPr>
+                <a:solidFill>
+                  <a:schemeClr val="tx2"/>
+                </a:solidFill>
+              </a:defRPr>
+            </a:lvl8pPr>
+            <a:lvl9pPr eaLnBrk="1" hangingPunct="1">
+              <a:defRPr>
+                <a:solidFill>
+                  <a:schemeClr val="tx2"/>
+                </a:solidFill>
+              </a:defRPr>
+            </a:lvl9pPr>
+          </a:lstStyle>
+          <a:p>
+            <a:r>
+              <a:rPr lang="en-US" dirty="0">
+                <a:solidFill>
+                  <a:schemeClr val="bg1"/>
+                </a:solidFill>
+              </a:rPr>
+              <a:t>    </a:t>
+            </a:r>
+            <a:r>
+              <a:rPr lang="en-US" dirty="0"/>
+              <a:t> Multicollinearity</a:t>
+            </a:r>
+          </a:p>
+        </p:txBody>
+      </p:sp>
+      <p:sp>
+        <p:nvSpPr>
+          <p:cNvPr id="13" name="TextBox 12">
+            <a:extLst>
+              <a:ext uri="{FF2B5EF4-FFF2-40B4-BE49-F238E27FC236}">
+                <a16:creationId xmlns:a16="http://schemas.microsoft.com/office/drawing/2014/main" id="{86111358-5237-DC4A-88C8-42E5CEE70BF4}"/>
+              </a:ext>
+            </a:extLst>
+          </p:cNvPr>
+          <p:cNvSpPr txBox="1"/>
+          <p:nvPr/>
+        </p:nvSpPr>
+        <p:spPr>
+          <a:xfrm>
+            <a:off x="6712006" y="1157468"/>
+            <a:ext cx="3027974" cy="923330"/>
+          </a:xfrm>
+          <a:prstGeom prst="rect">
+            <a:avLst/>
+          </a:prstGeom>
+          <a:noFill/>
+        </p:spPr>
+        <p:txBody>
+          <a:bodyPr wrap="square" rtlCol="0">
+            <a:spAutoFit/>
+          </a:bodyPr>
+          <a:lstStyle/>
+          <a:p>
+            <a:endParaRPr lang="en-US" dirty="0"/>
+          </a:p>
+          <a:p>
+            <a:pPr marL="285750" indent="-285750">
+              <a:buFont typeface="Arial" panose="020B0604020202020204" pitchFamily="34" charset="0"/>
+              <a:buChar char="•"/>
+            </a:pPr>
+            <a:r>
+              <a:rPr lang="en-US" dirty="0"/>
+              <a:t>Variables are not highly correlated</a:t>
+            </a:r>
+          </a:p>
+        </p:txBody>
+      </p:sp>
+    </p:spTree>
+    <p:extLst>
+      <p:ext uri="{BB962C8B-B14F-4D97-AF65-F5344CB8AC3E}">
+        <p14:creationId xmlns:p14="http://schemas.microsoft.com/office/powerpoint/2010/main" val="606906437"/>
+      </p:ext>
+    </p:extLst>
+  </p:cSld>
+  <p:clrMapOvr>
+    <a:masterClrMapping/>
+  </p:clrMapOvr>
+</p:sld>
+</file>
+
+<file path=ppt/slides/slide16.xml><?xml version="1.0" encoding="utf-8"?>
+<p:sld xmlns:a="http://schemas.openxmlformats.org/drawingml/2006/main" xmlns:r="http://schemas.openxmlformats.org/officeDocument/2006/relationships" xmlns:p="http://schemas.openxmlformats.org/presentationml/2006/main">
+  <p:cSld>
+    <p:spTree>
+      <p:nvGrpSpPr>
+        <p:cNvPr id="1" name=""/>
+        <p:cNvGrpSpPr/>
+        <p:nvPr/>
+      </p:nvGrpSpPr>
+      <p:grpSpPr>
+        <a:xfrm>
+          <a:off x="0" y="0"/>
+          <a:ext cx="0" cy="0"/>
+          <a:chOff x="0" y="0"/>
+          <a:chExt cx="0" cy="0"/>
+        </a:xfrm>
+      </p:grpSpPr>
+      <p:sp>
+        <p:nvSpPr>
+          <p:cNvPr id="2" name="Title 1">
+            <a:extLst>
+              <a:ext uri="{FF2B5EF4-FFF2-40B4-BE49-F238E27FC236}">
+                <a16:creationId xmlns:a16="http://schemas.microsoft.com/office/drawing/2014/main" id="{2D3CB410-CC3E-9049-A4B4-E8C125690757}"/>
+              </a:ext>
+            </a:extLst>
+          </p:cNvPr>
+          <p:cNvSpPr>
+            <a:spLocks noGrp="1"/>
+          </p:cNvSpPr>
+          <p:nvPr>
+            <p:ph type="title"/>
+          </p:nvPr>
+        </p:nvSpPr>
+        <p:spPr>
+          <a:xfrm>
+            <a:off x="758356" y="2768600"/>
+            <a:ext cx="8596668" cy="1320800"/>
+          </a:xfrm>
+        </p:spPr>
+        <p:txBody>
+          <a:bodyPr/>
+          <a:lstStyle/>
+          <a:p>
+            <a:pPr algn="ctr"/>
+            <a:r>
+              <a:rPr lang="en-US" dirty="0"/>
+              <a:t>Modeling and Analysis</a:t>
+            </a:r>
+          </a:p>
+        </p:txBody>
+      </p:sp>
+    </p:spTree>
+    <p:extLst>
+      <p:ext uri="{BB962C8B-B14F-4D97-AF65-F5344CB8AC3E}">
+        <p14:creationId xmlns:p14="http://schemas.microsoft.com/office/powerpoint/2010/main" val="307377490"/>
+      </p:ext>
+    </p:extLst>
+  </p:cSld>
+  <p:clrMapOvr>
+    <a:masterClrMapping/>
+  </p:clrMapOvr>
+</p:sld>
+</file>
+
+<file path=ppt/slides/slide17.xml><?xml version="1.0" encoding="utf-8"?>
+<p:sld xmlns:a="http://schemas.openxmlformats.org/drawingml/2006/main" xmlns:r="http://schemas.openxmlformats.org/officeDocument/2006/relationships" xmlns:p="http://schemas.openxmlformats.org/presentationml/2006/main">
+  <p:cSld>
+    <p:spTree>
+      <p:nvGrpSpPr>
+        <p:cNvPr id="1" name=""/>
+        <p:cNvGrpSpPr/>
+        <p:nvPr/>
+      </p:nvGrpSpPr>
+      <p:grpSpPr>
+        <a:xfrm>
+          <a:off x="0" y="0"/>
+          <a:ext cx="0" cy="0"/>
+          <a:chOff x="0" y="0"/>
+          <a:chExt cx="0" cy="0"/>
+        </a:xfrm>
+      </p:grpSpPr>
+      <p:sp>
+        <p:nvSpPr>
           <p:cNvPr id="2" name="Title 1">
             <a:extLst>
               <a:ext uri="{FF2B5EF4-FFF2-40B4-BE49-F238E27FC236}">
@@ -7446,10 +7819,6 @@
           <a:bodyPr/>
           <a:lstStyle/>
           <a:p>
-            <a:r>
-              <a:rPr lang="en-US" dirty="0"/>
-              <a:t>Modeling and Analysis</a:t>
-            </a:r>
             <a:br>
               <a:rPr lang="en-US" dirty="0"/>
             </a:br>
